--- a/docs/New Labs Uruguay.pptx
+++ b/docs/New Labs Uruguay.pptx
@@ -5,16 +5,17 @@
     <p:sldMasterId id="2147483648" r:id="rId1"/>
   </p:sldMasterIdLst>
   <p:notesMasterIdLst>
-    <p:notesMasterId r:id="rId9"/>
+    <p:notesMasterId r:id="rId10"/>
   </p:notesMasterIdLst>
   <p:sldIdLst>
     <p:sldId id="630" r:id="rId2"/>
     <p:sldId id="650" r:id="rId3"/>
     <p:sldId id="431" r:id="rId4"/>
-    <p:sldId id="652" r:id="rId5"/>
-    <p:sldId id="651" r:id="rId6"/>
-    <p:sldId id="648" r:id="rId7"/>
-    <p:sldId id="649" r:id="rId8"/>
+    <p:sldId id="653" r:id="rId5"/>
+    <p:sldId id="652" r:id="rId6"/>
+    <p:sldId id="651" r:id="rId7"/>
+    <p:sldId id="648" r:id="rId8"/>
+    <p:sldId id="649" r:id="rId9"/>
   </p:sldIdLst>
   <p:sldSz cx="12192000" cy="6858000"/>
   <p:notesSz cx="6858000" cy="9313863"/>
@@ -203,7 +204,7 @@
           <a:p>
             <a:fld id="{C5287EC0-854C-45B5-B79C-0864027889D8}" type="datetimeFigureOut">
               <a:rPr lang="en-US" smtClean="0"/>
-              <a:t>9/3/2023</a:t>
+              <a:t>9/9/2023</a:t>
             </a:fld>
             <a:endParaRPr lang="en-US"/>
           </a:p>
@@ -617,7 +618,7 @@
           <a:p>
             <a:fld id="{BF7B1363-CEAB-45B0-864E-ED8B1541EFB8}" type="datetimeFigureOut">
               <a:rPr lang="en-US" smtClean="0"/>
-              <a:t>9/3/2023</a:t>
+              <a:t>9/9/2023</a:t>
             </a:fld>
             <a:endParaRPr lang="en-US"/>
           </a:p>
@@ -815,7 +816,7 @@
           <a:p>
             <a:fld id="{BF7B1363-CEAB-45B0-864E-ED8B1541EFB8}" type="datetimeFigureOut">
               <a:rPr lang="en-US" smtClean="0"/>
-              <a:t>9/3/2023</a:t>
+              <a:t>9/9/2023</a:t>
             </a:fld>
             <a:endParaRPr lang="en-US"/>
           </a:p>
@@ -1023,7 +1024,7 @@
           <a:p>
             <a:fld id="{BF7B1363-CEAB-45B0-864E-ED8B1541EFB8}" type="datetimeFigureOut">
               <a:rPr lang="en-US" smtClean="0"/>
-              <a:t>9/3/2023</a:t>
+              <a:t>9/9/2023</a:t>
             </a:fld>
             <a:endParaRPr lang="en-US"/>
           </a:p>
@@ -1221,7 +1222,7 @@
           <a:p>
             <a:fld id="{BF7B1363-CEAB-45B0-864E-ED8B1541EFB8}" type="datetimeFigureOut">
               <a:rPr lang="en-US" smtClean="0"/>
-              <a:t>9/3/2023</a:t>
+              <a:t>9/9/2023</a:t>
             </a:fld>
             <a:endParaRPr lang="en-US"/>
           </a:p>
@@ -1496,7 +1497,7 @@
           <a:p>
             <a:fld id="{BF7B1363-CEAB-45B0-864E-ED8B1541EFB8}" type="datetimeFigureOut">
               <a:rPr lang="en-US" smtClean="0"/>
-              <a:t>9/3/2023</a:t>
+              <a:t>9/9/2023</a:t>
             </a:fld>
             <a:endParaRPr lang="en-US"/>
           </a:p>
@@ -1761,7 +1762,7 @@
           <a:p>
             <a:fld id="{BF7B1363-CEAB-45B0-864E-ED8B1541EFB8}" type="datetimeFigureOut">
               <a:rPr lang="en-US" smtClean="0"/>
-              <a:t>9/3/2023</a:t>
+              <a:t>9/9/2023</a:t>
             </a:fld>
             <a:endParaRPr lang="en-US"/>
           </a:p>
@@ -2173,7 +2174,7 @@
           <a:p>
             <a:fld id="{BF7B1363-CEAB-45B0-864E-ED8B1541EFB8}" type="datetimeFigureOut">
               <a:rPr lang="en-US" smtClean="0"/>
-              <a:t>9/3/2023</a:t>
+              <a:t>9/9/2023</a:t>
             </a:fld>
             <a:endParaRPr lang="en-US"/>
           </a:p>
@@ -2314,7 +2315,7 @@
           <a:p>
             <a:fld id="{BF7B1363-CEAB-45B0-864E-ED8B1541EFB8}" type="datetimeFigureOut">
               <a:rPr lang="en-US" smtClean="0"/>
-              <a:t>9/3/2023</a:t>
+              <a:t>9/9/2023</a:t>
             </a:fld>
             <a:endParaRPr lang="en-US"/>
           </a:p>
@@ -2427,7 +2428,7 @@
           <a:p>
             <a:fld id="{BF7B1363-CEAB-45B0-864E-ED8B1541EFB8}" type="datetimeFigureOut">
               <a:rPr lang="en-US" smtClean="0"/>
-              <a:t>9/3/2023</a:t>
+              <a:t>9/9/2023</a:t>
             </a:fld>
             <a:endParaRPr lang="en-US"/>
           </a:p>
@@ -2738,7 +2739,7 @@
           <a:p>
             <a:fld id="{BF7B1363-CEAB-45B0-864E-ED8B1541EFB8}" type="datetimeFigureOut">
               <a:rPr lang="en-US" smtClean="0"/>
-              <a:t>9/3/2023</a:t>
+              <a:t>9/9/2023</a:t>
             </a:fld>
             <a:endParaRPr lang="en-US"/>
           </a:p>
@@ -3026,7 +3027,7 @@
           <a:p>
             <a:fld id="{BF7B1363-CEAB-45B0-864E-ED8B1541EFB8}" type="datetimeFigureOut">
               <a:rPr lang="en-US" smtClean="0"/>
-              <a:t>9/3/2023</a:t>
+              <a:t>9/9/2023</a:t>
             </a:fld>
             <a:endParaRPr lang="en-US"/>
           </a:p>
@@ -3267,7 +3268,7 @@
           <a:p>
             <a:fld id="{BF7B1363-CEAB-45B0-864E-ED8B1541EFB8}" type="datetimeFigureOut">
               <a:rPr lang="en-US" smtClean="0"/>
-              <a:t>9/3/2023</a:t>
+              <a:t>9/9/2023</a:t>
             </a:fld>
             <a:endParaRPr lang="en-US"/>
           </a:p>
@@ -4929,6 +4930,99 @@
         </p:spPr>
         <p:txBody>
           <a:bodyPr vert="horz" lIns="91425" tIns="45713" rIns="91425" bIns="45713" rtlCol="0" anchor="ctr">
+            <a:normAutofit fontScale="82500" lnSpcReduction="10000"/>
+          </a:bodyPr>
+          <a:lstStyle>
+            <a:lvl1pPr algn="l" defTabSz="1097148" rtl="0" eaLnBrk="1" latinLnBrk="0" hangingPunct="1">
+              <a:spcBef>
+                <a:spcPct val="0"/>
+              </a:spcBef>
+              <a:buNone/>
+              <a:defRPr lang="en-US" sz="4300" b="1" kern="1200" dirty="0" smtClean="0">
+                <a:solidFill>
+                  <a:srgbClr val="00529B"/>
+                </a:solidFill>
+                <a:effectLst>
+                  <a:outerShdw blurRad="38100" dist="38100" dir="2700000" algn="tl">
+                    <a:srgbClr val="000000">
+                      <a:alpha val="43137"/>
+                    </a:srgbClr>
+                  </a:outerShdw>
+                </a:effectLst>
+                <a:latin typeface="+mj-lt"/>
+                <a:ea typeface="+mj-ea"/>
+                <a:cs typeface="+mj-cs"/>
+              </a:defRPr>
+            </a:lvl1pPr>
+          </a:lstStyle>
+          <a:p>
+            <a:pPr algn="ctr"/>
+            <a:r>
+              <a:rPr lang="en-US" sz="3583" cap="small" dirty="0">
+                <a:latin typeface="Ebrima" pitchFamily="2" charset="0"/>
+                <a:ea typeface="Ebrima" pitchFamily="2" charset="0"/>
+                <a:cs typeface="Ebrima" pitchFamily="2" charset="0"/>
+              </a:rPr>
+              <a:t>Neural Endocrine Immune Metabolic Networks (MIEN)</a:t>
+            </a:r>
+          </a:p>
+        </p:txBody>
+      </p:sp>
+    </p:spTree>
+    <p:extLst>
+      <p:ext uri="{BB962C8B-B14F-4D97-AF65-F5344CB8AC3E}">
+        <p14:creationId xmlns:p14="http://schemas.microsoft.com/office/powerpoint/2010/main" val="1104062346"/>
+      </p:ext>
+    </p:extLst>
+  </p:cSld>
+  <p:clrMapOvr>
+    <a:masterClrMapping/>
+  </p:clrMapOvr>
+</p:sld>
+</file>
+
+<file path=ppt/slides/slide5.xml><?xml version="1.0" encoding="utf-8"?>
+<p:sld xmlns:a="http://schemas.openxmlformats.org/drawingml/2006/main" xmlns:r="http://schemas.openxmlformats.org/officeDocument/2006/relationships" xmlns:p="http://schemas.openxmlformats.org/presentationml/2006/main">
+  <p:cSld>
+    <p:spTree>
+      <p:nvGrpSpPr>
+        <p:cNvPr id="1" name=""/>
+        <p:cNvGrpSpPr/>
+        <p:nvPr/>
+      </p:nvGrpSpPr>
+      <p:grpSpPr>
+        <a:xfrm>
+          <a:off x="0" y="0"/>
+          <a:ext cx="0" cy="0"/>
+          <a:chOff x="0" y="0"/>
+          <a:chExt cx="0" cy="0"/>
+        </a:xfrm>
+      </p:grpSpPr>
+      <p:sp>
+        <p:nvSpPr>
+          <p:cNvPr id="2" name="Title 18">
+            <a:extLst>
+              <a:ext uri="{FF2B5EF4-FFF2-40B4-BE49-F238E27FC236}">
+                <a16:creationId xmlns:a16="http://schemas.microsoft.com/office/drawing/2014/main" id="{F71CDC3C-2276-4544-AC7E-E9377815FC4C}"/>
+              </a:ext>
+            </a:extLst>
+          </p:cNvPr>
+          <p:cNvSpPr txBox="1">
+            <a:spLocks/>
+          </p:cNvSpPr>
+          <p:nvPr/>
+        </p:nvSpPr>
+        <p:spPr>
+          <a:xfrm>
+            <a:off x="914400" y="283893"/>
+            <a:ext cx="10363200" cy="566759"/>
+          </a:xfrm>
+          <a:prstGeom prst="rect">
+            <a:avLst/>
+          </a:prstGeom>
+        </p:spPr>
+        <p:txBody>
+          <a:bodyPr vert="horz" lIns="91425" tIns="45713" rIns="91425" bIns="45713" rtlCol="0" anchor="ctr">
             <a:normAutofit fontScale="90000" lnSpcReduction="10000"/>
           </a:bodyPr>
           <a:lstStyle>
@@ -5484,7 +5578,7 @@
 </p:sld>
 </file>
 
-<file path=ppt/slides/slide5.xml><?xml version="1.0" encoding="utf-8"?>
+<file path=ppt/slides/slide6.xml><?xml version="1.0" encoding="utf-8"?>
 <p:sld xmlns:a="http://schemas.openxmlformats.org/drawingml/2006/main" xmlns:r="http://schemas.openxmlformats.org/officeDocument/2006/relationships" xmlns:p="http://schemas.openxmlformats.org/presentationml/2006/main">
   <p:cSld>
     <p:spTree>
@@ -5810,7 +5904,7 @@
 </p:sld>
 </file>
 
-<file path=ppt/slides/slide6.xml><?xml version="1.0" encoding="utf-8"?>
+<file path=ppt/slides/slide7.xml><?xml version="1.0" encoding="utf-8"?>
 <p:sld xmlns:a="http://schemas.openxmlformats.org/drawingml/2006/main" xmlns:r="http://schemas.openxmlformats.org/officeDocument/2006/relationships" xmlns:p="http://schemas.openxmlformats.org/presentationml/2006/main">
   <p:cSld>
     <p:spTree>
@@ -5982,7 +6076,7 @@
 </p:sld>
 </file>
 
-<file path=ppt/slides/slide7.xml><?xml version="1.0" encoding="utf-8"?>
+<file path=ppt/slides/slide8.xml><?xml version="1.0" encoding="utf-8"?>
 <p:sld xmlns:a="http://schemas.openxmlformats.org/drawingml/2006/main" xmlns:r="http://schemas.openxmlformats.org/officeDocument/2006/relationships" xmlns:p="http://schemas.openxmlformats.org/presentationml/2006/main">
   <p:cSld>
     <p:spTree>

--- a/docs/New Labs Uruguay.pptx
+++ b/docs/New Labs Uruguay.pptx
@@ -4968,6 +4968,932 @@
           </a:p>
         </p:txBody>
       </p:sp>
+      <p:sp>
+        <p:nvSpPr>
+          <p:cNvPr id="3" name="Oval 2">
+            <a:extLst>
+              <a:ext uri="{FF2B5EF4-FFF2-40B4-BE49-F238E27FC236}">
+                <a16:creationId xmlns:a16="http://schemas.microsoft.com/office/drawing/2014/main" id="{753F48DB-6D4A-94EE-1880-941F34556144}"/>
+              </a:ext>
+            </a:extLst>
+          </p:cNvPr>
+          <p:cNvSpPr/>
+          <p:nvPr/>
+        </p:nvSpPr>
+        <p:spPr>
+          <a:xfrm>
+            <a:off x="5295900" y="3094892"/>
+            <a:ext cx="1600200" cy="1600200"/>
+          </a:xfrm>
+          <a:prstGeom prst="ellipse">
+            <a:avLst/>
+          </a:prstGeom>
+          <a:ln w="50800">
+            <a:solidFill>
+              <a:schemeClr val="bg1">
+                <a:lumMod val="75000"/>
+              </a:schemeClr>
+            </a:solidFill>
+          </a:ln>
+          <a:effectLst>
+            <a:glow rad="63500">
+              <a:schemeClr val="accent1">
+                <a:satMod val="175000"/>
+                <a:alpha val="40000"/>
+              </a:schemeClr>
+            </a:glow>
+          </a:effectLst>
+        </p:spPr>
+        <p:style>
+          <a:lnRef idx="2">
+            <a:schemeClr val="accent1">
+              <a:shade val="15000"/>
+            </a:schemeClr>
+          </a:lnRef>
+          <a:fillRef idx="1">
+            <a:schemeClr val="accent1"/>
+          </a:fillRef>
+          <a:effectRef idx="0">
+            <a:schemeClr val="accent1"/>
+          </a:effectRef>
+          <a:fontRef idx="minor">
+            <a:schemeClr val="lt1"/>
+          </a:fontRef>
+        </p:style>
+        <p:txBody>
+          <a:bodyPr rtlCol="0" anchor="ctr"/>
+          <a:lstStyle/>
+          <a:p>
+            <a:pPr algn="ctr"/>
+            <a:r>
+              <a:rPr lang="en-US" dirty="0"/>
+              <a:t>Metabolic</a:t>
+            </a:r>
+          </a:p>
+          <a:p>
+            <a:pPr algn="ctr"/>
+            <a:r>
+              <a:rPr lang="en-US" dirty="0"/>
+              <a:t>Action</a:t>
+            </a:r>
+          </a:p>
+        </p:txBody>
+      </p:sp>
+      <p:cxnSp>
+        <p:nvCxnSpPr>
+          <p:cNvPr id="8" name="Straight Arrow Connector 7">
+            <a:extLst>
+              <a:ext uri="{FF2B5EF4-FFF2-40B4-BE49-F238E27FC236}">
+                <a16:creationId xmlns:a16="http://schemas.microsoft.com/office/drawing/2014/main" id="{081EDA2D-068D-1B0D-CF5D-A5C3BA615AD8}"/>
+              </a:ext>
+            </a:extLst>
+          </p:cNvPr>
+          <p:cNvCxnSpPr>
+            <a:cxnSpLocks/>
+          </p:cNvCxnSpPr>
+          <p:nvPr/>
+        </p:nvCxnSpPr>
+        <p:spPr>
+          <a:xfrm>
+            <a:off x="6896100" y="4035669"/>
+            <a:ext cx="1040423" cy="395654"/>
+          </a:xfrm>
+          <a:prstGeom prst="straightConnector1">
+            <a:avLst/>
+          </a:prstGeom>
+          <a:ln w="63500">
+            <a:solidFill>
+              <a:schemeClr val="accent1">
+                <a:alpha val="61000"/>
+              </a:schemeClr>
+            </a:solidFill>
+            <a:prstDash val="sysDot"/>
+            <a:tailEnd type="triangle"/>
+          </a:ln>
+        </p:spPr>
+        <p:style>
+          <a:lnRef idx="1">
+            <a:schemeClr val="accent1"/>
+          </a:lnRef>
+          <a:fillRef idx="0">
+            <a:schemeClr val="accent1"/>
+          </a:fillRef>
+          <a:effectRef idx="0">
+            <a:schemeClr val="accent1"/>
+          </a:effectRef>
+          <a:fontRef idx="minor">
+            <a:schemeClr val="tx1"/>
+          </a:fontRef>
+        </p:style>
+      </p:cxnSp>
+      <p:cxnSp>
+        <p:nvCxnSpPr>
+          <p:cNvPr id="10" name="Straight Arrow Connector 9">
+            <a:extLst>
+              <a:ext uri="{FF2B5EF4-FFF2-40B4-BE49-F238E27FC236}">
+                <a16:creationId xmlns:a16="http://schemas.microsoft.com/office/drawing/2014/main" id="{18EC2349-108E-55DB-9189-AC2181D1D62C}"/>
+              </a:ext>
+            </a:extLst>
+          </p:cNvPr>
+          <p:cNvCxnSpPr>
+            <a:cxnSpLocks/>
+          </p:cNvCxnSpPr>
+          <p:nvPr/>
+        </p:nvCxnSpPr>
+        <p:spPr>
+          <a:xfrm flipH="1">
+            <a:off x="4255477" y="4035669"/>
+            <a:ext cx="1040423" cy="395654"/>
+          </a:xfrm>
+          <a:prstGeom prst="straightConnector1">
+            <a:avLst/>
+          </a:prstGeom>
+          <a:ln w="63500">
+            <a:solidFill>
+              <a:schemeClr val="accent1">
+                <a:alpha val="61000"/>
+              </a:schemeClr>
+            </a:solidFill>
+            <a:prstDash val="sysDot"/>
+            <a:tailEnd type="triangle"/>
+          </a:ln>
+        </p:spPr>
+        <p:style>
+          <a:lnRef idx="1">
+            <a:schemeClr val="accent1"/>
+          </a:lnRef>
+          <a:fillRef idx="0">
+            <a:schemeClr val="accent1"/>
+          </a:fillRef>
+          <a:effectRef idx="0">
+            <a:schemeClr val="accent1"/>
+          </a:effectRef>
+          <a:fontRef idx="minor">
+            <a:schemeClr val="tx1"/>
+          </a:fontRef>
+        </p:style>
+      </p:cxnSp>
+      <p:cxnSp>
+        <p:nvCxnSpPr>
+          <p:cNvPr id="13" name="Straight Arrow Connector 12">
+            <a:extLst>
+              <a:ext uri="{FF2B5EF4-FFF2-40B4-BE49-F238E27FC236}">
+                <a16:creationId xmlns:a16="http://schemas.microsoft.com/office/drawing/2014/main" id="{E2747543-587D-0778-3155-99EA0079CF5E}"/>
+              </a:ext>
+            </a:extLst>
+          </p:cNvPr>
+          <p:cNvCxnSpPr>
+            <a:cxnSpLocks/>
+            <a:stCxn id="3" idx="0"/>
+            <a:endCxn id="4" idx="4"/>
+          </p:cNvCxnSpPr>
+          <p:nvPr/>
+        </p:nvCxnSpPr>
+        <p:spPr>
+          <a:xfrm flipV="1">
+            <a:off x="6096000" y="2539876"/>
+            <a:ext cx="0" cy="555016"/>
+          </a:xfrm>
+          <a:prstGeom prst="straightConnector1">
+            <a:avLst/>
+          </a:prstGeom>
+          <a:ln w="63500">
+            <a:solidFill>
+              <a:schemeClr val="accent1">
+                <a:alpha val="61000"/>
+              </a:schemeClr>
+            </a:solidFill>
+            <a:prstDash val="sysDot"/>
+            <a:tailEnd type="triangle"/>
+          </a:ln>
+        </p:spPr>
+        <p:style>
+          <a:lnRef idx="1">
+            <a:schemeClr val="accent1"/>
+          </a:lnRef>
+          <a:fillRef idx="0">
+            <a:schemeClr val="accent1"/>
+          </a:fillRef>
+          <a:effectRef idx="0">
+            <a:schemeClr val="accent1"/>
+          </a:effectRef>
+          <a:fontRef idx="minor">
+            <a:schemeClr val="tx1"/>
+          </a:fontRef>
+        </p:style>
+      </p:cxnSp>
+      <p:cxnSp>
+        <p:nvCxnSpPr>
+          <p:cNvPr id="23" name="Straight Arrow Connector 22">
+            <a:extLst>
+              <a:ext uri="{FF2B5EF4-FFF2-40B4-BE49-F238E27FC236}">
+                <a16:creationId xmlns:a16="http://schemas.microsoft.com/office/drawing/2014/main" id="{BCF92559-16CC-A9DF-A894-BC7D520C3986}"/>
+              </a:ext>
+            </a:extLst>
+          </p:cNvPr>
+          <p:cNvCxnSpPr>
+            <a:cxnSpLocks/>
+            <a:stCxn id="4" idx="6"/>
+            <a:endCxn id="5" idx="0"/>
+          </p:cNvCxnSpPr>
+          <p:nvPr/>
+        </p:nvCxnSpPr>
+        <p:spPr>
+          <a:xfrm>
+            <a:off x="6896100" y="1739776"/>
+            <a:ext cx="1840523" cy="2155216"/>
+          </a:xfrm>
+          <a:prstGeom prst="straightConnector1">
+            <a:avLst/>
+          </a:prstGeom>
+          <a:ln w="63500">
+            <a:solidFill>
+              <a:schemeClr val="accent1">
+                <a:alpha val="61000"/>
+              </a:schemeClr>
+            </a:solidFill>
+            <a:prstDash val="sysDot"/>
+            <a:tailEnd type="triangle"/>
+          </a:ln>
+        </p:spPr>
+        <p:style>
+          <a:lnRef idx="1">
+            <a:schemeClr val="accent1"/>
+          </a:lnRef>
+          <a:fillRef idx="0">
+            <a:schemeClr val="accent1"/>
+          </a:fillRef>
+          <a:effectRef idx="0">
+            <a:schemeClr val="accent1"/>
+          </a:effectRef>
+          <a:fontRef idx="minor">
+            <a:schemeClr val="tx1"/>
+          </a:fontRef>
+        </p:style>
+      </p:cxnSp>
+      <p:cxnSp>
+        <p:nvCxnSpPr>
+          <p:cNvPr id="27" name="Straight Arrow Connector 26">
+            <a:extLst>
+              <a:ext uri="{FF2B5EF4-FFF2-40B4-BE49-F238E27FC236}">
+                <a16:creationId xmlns:a16="http://schemas.microsoft.com/office/drawing/2014/main" id="{70DC07A5-EC87-C3D8-65FE-F42F6293399C}"/>
+              </a:ext>
+            </a:extLst>
+          </p:cNvPr>
+          <p:cNvCxnSpPr>
+            <a:cxnSpLocks/>
+            <a:stCxn id="5" idx="3"/>
+            <a:endCxn id="6" idx="5"/>
+          </p:cNvCxnSpPr>
+          <p:nvPr/>
+        </p:nvCxnSpPr>
+        <p:spPr>
+          <a:xfrm flipH="1">
+            <a:off x="4021133" y="5260848"/>
+            <a:ext cx="4149734" cy="0"/>
+          </a:xfrm>
+          <a:prstGeom prst="straightConnector1">
+            <a:avLst/>
+          </a:prstGeom>
+          <a:ln w="63500">
+            <a:solidFill>
+              <a:schemeClr val="accent1">
+                <a:alpha val="61000"/>
+              </a:schemeClr>
+            </a:solidFill>
+            <a:prstDash val="sysDot"/>
+            <a:tailEnd type="triangle"/>
+          </a:ln>
+        </p:spPr>
+        <p:style>
+          <a:lnRef idx="1">
+            <a:schemeClr val="accent1"/>
+          </a:lnRef>
+          <a:fillRef idx="0">
+            <a:schemeClr val="accent1"/>
+          </a:fillRef>
+          <a:effectRef idx="0">
+            <a:schemeClr val="accent1"/>
+          </a:effectRef>
+          <a:fontRef idx="minor">
+            <a:schemeClr val="tx1"/>
+          </a:fontRef>
+        </p:style>
+      </p:cxnSp>
+      <p:cxnSp>
+        <p:nvCxnSpPr>
+          <p:cNvPr id="30" name="Straight Arrow Connector 29">
+            <a:extLst>
+              <a:ext uri="{FF2B5EF4-FFF2-40B4-BE49-F238E27FC236}">
+                <a16:creationId xmlns:a16="http://schemas.microsoft.com/office/drawing/2014/main" id="{101B9443-BEF0-2DF1-EA14-312BE2C21482}"/>
+              </a:ext>
+            </a:extLst>
+          </p:cNvPr>
+          <p:cNvCxnSpPr>
+            <a:cxnSpLocks/>
+            <a:stCxn id="4" idx="2"/>
+          </p:cNvCxnSpPr>
+          <p:nvPr/>
+        </p:nvCxnSpPr>
+        <p:spPr>
+          <a:xfrm flipH="1">
+            <a:off x="3719146" y="1739776"/>
+            <a:ext cx="1576754" cy="2155216"/>
+          </a:xfrm>
+          <a:prstGeom prst="straightConnector1">
+            <a:avLst/>
+          </a:prstGeom>
+          <a:ln w="63500">
+            <a:solidFill>
+              <a:schemeClr val="accent1">
+                <a:alpha val="61000"/>
+              </a:schemeClr>
+            </a:solidFill>
+            <a:prstDash val="sysDot"/>
+            <a:tailEnd type="triangle"/>
+          </a:ln>
+        </p:spPr>
+        <p:style>
+          <a:lnRef idx="1">
+            <a:schemeClr val="accent1"/>
+          </a:lnRef>
+          <a:fillRef idx="0">
+            <a:schemeClr val="accent1"/>
+          </a:fillRef>
+          <a:effectRef idx="0">
+            <a:schemeClr val="accent1"/>
+          </a:effectRef>
+          <a:fontRef idx="minor">
+            <a:schemeClr val="tx1"/>
+          </a:fontRef>
+        </p:style>
+      </p:cxnSp>
+      <p:sp>
+        <p:nvSpPr>
+          <p:cNvPr id="4" name="Oval 3">
+            <a:extLst>
+              <a:ext uri="{FF2B5EF4-FFF2-40B4-BE49-F238E27FC236}">
+                <a16:creationId xmlns:a16="http://schemas.microsoft.com/office/drawing/2014/main" id="{F712FE37-E57C-019A-08AF-06F32056612C}"/>
+              </a:ext>
+            </a:extLst>
+          </p:cNvPr>
+          <p:cNvSpPr/>
+          <p:nvPr/>
+        </p:nvSpPr>
+        <p:spPr>
+          <a:xfrm>
+            <a:off x="5295900" y="939676"/>
+            <a:ext cx="1600200" cy="1600200"/>
+          </a:xfrm>
+          <a:prstGeom prst="ellipse">
+            <a:avLst/>
+          </a:prstGeom>
+          <a:ln w="50800">
+            <a:solidFill>
+              <a:schemeClr val="bg1">
+                <a:lumMod val="75000"/>
+              </a:schemeClr>
+            </a:solidFill>
+          </a:ln>
+          <a:effectLst>
+            <a:glow rad="63500">
+              <a:schemeClr val="accent1">
+                <a:satMod val="175000"/>
+                <a:alpha val="40000"/>
+              </a:schemeClr>
+            </a:glow>
+          </a:effectLst>
+        </p:spPr>
+        <p:style>
+          <a:lnRef idx="2">
+            <a:schemeClr val="accent1">
+              <a:shade val="15000"/>
+            </a:schemeClr>
+          </a:lnRef>
+          <a:fillRef idx="1">
+            <a:schemeClr val="accent1"/>
+          </a:fillRef>
+          <a:effectRef idx="0">
+            <a:schemeClr val="accent1"/>
+          </a:effectRef>
+          <a:fontRef idx="minor">
+            <a:schemeClr val="lt1"/>
+          </a:fontRef>
+        </p:style>
+        <p:txBody>
+          <a:bodyPr rtlCol="0" anchor="ctr"/>
+          <a:lstStyle/>
+          <a:p>
+            <a:pPr algn="ctr"/>
+            <a:r>
+              <a:rPr lang="en-US" dirty="0"/>
+              <a:t>Nerves</a:t>
+            </a:r>
+          </a:p>
+          <a:p>
+            <a:pPr algn="ctr"/>
+            <a:r>
+              <a:rPr lang="en-US" dirty="0"/>
+              <a:t>System</a:t>
+            </a:r>
+          </a:p>
+        </p:txBody>
+      </p:sp>
+      <p:sp>
+        <p:nvSpPr>
+          <p:cNvPr id="6" name="Oval 5">
+            <a:extLst>
+              <a:ext uri="{FF2B5EF4-FFF2-40B4-BE49-F238E27FC236}">
+                <a16:creationId xmlns:a16="http://schemas.microsoft.com/office/drawing/2014/main" id="{507B32E3-3C87-5B19-91DE-7B2EC102D6BA}"/>
+              </a:ext>
+            </a:extLst>
+          </p:cNvPr>
+          <p:cNvSpPr/>
+          <p:nvPr/>
+        </p:nvSpPr>
+        <p:spPr>
+          <a:xfrm>
+            <a:off x="2655277" y="3894992"/>
+            <a:ext cx="1600200" cy="1600200"/>
+          </a:xfrm>
+          <a:prstGeom prst="ellipse">
+            <a:avLst/>
+          </a:prstGeom>
+          <a:ln w="50800">
+            <a:solidFill>
+              <a:schemeClr val="bg1">
+                <a:lumMod val="75000"/>
+              </a:schemeClr>
+            </a:solidFill>
+          </a:ln>
+          <a:effectLst>
+            <a:glow rad="63500">
+              <a:schemeClr val="accent1">
+                <a:satMod val="175000"/>
+                <a:alpha val="40000"/>
+              </a:schemeClr>
+            </a:glow>
+          </a:effectLst>
+        </p:spPr>
+        <p:style>
+          <a:lnRef idx="2">
+            <a:schemeClr val="accent1">
+              <a:shade val="15000"/>
+            </a:schemeClr>
+          </a:lnRef>
+          <a:fillRef idx="1">
+            <a:schemeClr val="accent1"/>
+          </a:fillRef>
+          <a:effectRef idx="0">
+            <a:schemeClr val="accent1"/>
+          </a:effectRef>
+          <a:fontRef idx="minor">
+            <a:schemeClr val="lt1"/>
+          </a:fontRef>
+        </p:style>
+        <p:txBody>
+          <a:bodyPr rtlCol="0" anchor="ctr"/>
+          <a:lstStyle/>
+          <a:p>
+            <a:pPr algn="ctr"/>
+            <a:r>
+              <a:rPr lang="en-US" dirty="0"/>
+              <a:t>Endocrine</a:t>
+            </a:r>
+          </a:p>
+          <a:p>
+            <a:pPr algn="ctr"/>
+            <a:r>
+              <a:rPr lang="en-US" dirty="0"/>
+              <a:t>System</a:t>
+            </a:r>
+          </a:p>
+        </p:txBody>
+      </p:sp>
+      <p:sp>
+        <p:nvSpPr>
+          <p:cNvPr id="5" name="Oval 4">
+            <a:extLst>
+              <a:ext uri="{FF2B5EF4-FFF2-40B4-BE49-F238E27FC236}">
+                <a16:creationId xmlns:a16="http://schemas.microsoft.com/office/drawing/2014/main" id="{E21A7313-C778-0C9E-AF5F-E584035FE62E}"/>
+              </a:ext>
+            </a:extLst>
+          </p:cNvPr>
+          <p:cNvSpPr/>
+          <p:nvPr/>
+        </p:nvSpPr>
+        <p:spPr>
+          <a:xfrm>
+            <a:off x="7936523" y="3894992"/>
+            <a:ext cx="1600200" cy="1600200"/>
+          </a:xfrm>
+          <a:prstGeom prst="ellipse">
+            <a:avLst/>
+          </a:prstGeom>
+          <a:ln w="50800">
+            <a:solidFill>
+              <a:schemeClr val="bg1">
+                <a:lumMod val="75000"/>
+              </a:schemeClr>
+            </a:solidFill>
+          </a:ln>
+          <a:effectLst>
+            <a:glow rad="63500">
+              <a:schemeClr val="accent1">
+                <a:satMod val="175000"/>
+                <a:alpha val="40000"/>
+              </a:schemeClr>
+            </a:glow>
+          </a:effectLst>
+        </p:spPr>
+        <p:style>
+          <a:lnRef idx="2">
+            <a:schemeClr val="accent1">
+              <a:shade val="15000"/>
+            </a:schemeClr>
+          </a:lnRef>
+          <a:fillRef idx="1">
+            <a:schemeClr val="accent1"/>
+          </a:fillRef>
+          <a:effectRef idx="0">
+            <a:schemeClr val="accent1"/>
+          </a:effectRef>
+          <a:fontRef idx="minor">
+            <a:schemeClr val="lt1"/>
+          </a:fontRef>
+        </p:style>
+        <p:txBody>
+          <a:bodyPr rtlCol="0" anchor="ctr"/>
+          <a:lstStyle/>
+          <a:p>
+            <a:pPr algn="ctr"/>
+            <a:r>
+              <a:rPr lang="en-US" dirty="0"/>
+              <a:t>Immune</a:t>
+            </a:r>
+          </a:p>
+          <a:p>
+            <a:pPr algn="ctr"/>
+            <a:r>
+              <a:rPr lang="en-US" dirty="0"/>
+              <a:t>System</a:t>
+            </a:r>
+          </a:p>
+        </p:txBody>
+      </p:sp>
+      <p:sp>
+        <p:nvSpPr>
+          <p:cNvPr id="33" name="TextBox 32">
+            <a:extLst>
+              <a:ext uri="{FF2B5EF4-FFF2-40B4-BE49-F238E27FC236}">
+                <a16:creationId xmlns:a16="http://schemas.microsoft.com/office/drawing/2014/main" id="{0BA7FDDD-0DF0-EED0-28F5-60DFF7E55211}"/>
+              </a:ext>
+            </a:extLst>
+          </p:cNvPr>
+          <p:cNvSpPr txBox="1"/>
+          <p:nvPr/>
+        </p:nvSpPr>
+        <p:spPr>
+          <a:xfrm rot="3000000">
+            <a:off x="7078274" y="2352517"/>
+            <a:ext cx="1716496" cy="369332"/>
+          </a:xfrm>
+          <a:prstGeom prst="rect">
+            <a:avLst/>
+          </a:prstGeom>
+          <a:noFill/>
+        </p:spPr>
+        <p:txBody>
+          <a:bodyPr wrap="none" rtlCol="0">
+            <a:spAutoFit/>
+          </a:bodyPr>
+          <a:lstStyle/>
+          <a:p>
+            <a:r>
+              <a:rPr lang="en-US" dirty="0" err="1"/>
+              <a:t>Neuroregulators</a:t>
+            </a:r>
+            <a:endParaRPr lang="en-US" dirty="0"/>
+          </a:p>
+        </p:txBody>
+      </p:sp>
+      <p:sp>
+        <p:nvSpPr>
+          <p:cNvPr id="34" name="TextBox 33">
+            <a:extLst>
+              <a:ext uri="{FF2B5EF4-FFF2-40B4-BE49-F238E27FC236}">
+                <a16:creationId xmlns:a16="http://schemas.microsoft.com/office/drawing/2014/main" id="{596CD4AC-2DC8-B58E-CC7D-14C1D95CCA83}"/>
+              </a:ext>
+            </a:extLst>
+          </p:cNvPr>
+          <p:cNvSpPr txBox="1"/>
+          <p:nvPr/>
+        </p:nvSpPr>
+        <p:spPr>
+          <a:xfrm rot="18360000">
+            <a:off x="3401991" y="2467433"/>
+            <a:ext cx="1716496" cy="369332"/>
+          </a:xfrm>
+          <a:prstGeom prst="rect">
+            <a:avLst/>
+          </a:prstGeom>
+          <a:noFill/>
+        </p:spPr>
+        <p:txBody>
+          <a:bodyPr wrap="none" rtlCol="0">
+            <a:spAutoFit/>
+          </a:bodyPr>
+          <a:lstStyle/>
+          <a:p>
+            <a:r>
+              <a:rPr lang="en-US" dirty="0" err="1"/>
+              <a:t>Neuroregulators</a:t>
+            </a:r>
+            <a:endParaRPr lang="en-US" dirty="0"/>
+          </a:p>
+        </p:txBody>
+      </p:sp>
+      <p:sp>
+        <p:nvSpPr>
+          <p:cNvPr id="35" name="TextBox 34">
+            <a:extLst>
+              <a:ext uri="{FF2B5EF4-FFF2-40B4-BE49-F238E27FC236}">
+                <a16:creationId xmlns:a16="http://schemas.microsoft.com/office/drawing/2014/main" id="{1F2AFC13-CFA6-64FD-2A42-07779DF13015}"/>
+              </a:ext>
+            </a:extLst>
+          </p:cNvPr>
+          <p:cNvSpPr txBox="1"/>
+          <p:nvPr/>
+        </p:nvSpPr>
+        <p:spPr>
+          <a:xfrm>
+            <a:off x="5322743" y="5397589"/>
+            <a:ext cx="1923796" cy="369332"/>
+          </a:xfrm>
+          <a:prstGeom prst="rect">
+            <a:avLst/>
+          </a:prstGeom>
+          <a:noFill/>
+        </p:spPr>
+        <p:txBody>
+          <a:bodyPr wrap="none" rtlCol="0">
+            <a:spAutoFit/>
+          </a:bodyPr>
+          <a:lstStyle/>
+          <a:p>
+            <a:r>
+              <a:rPr lang="en-US" dirty="0"/>
+              <a:t>Immunoregulators</a:t>
+            </a:r>
+          </a:p>
+        </p:txBody>
+      </p:sp>
+      <p:cxnSp>
+        <p:nvCxnSpPr>
+          <p:cNvPr id="36" name="Straight Arrow Connector 35">
+            <a:extLst>
+              <a:ext uri="{FF2B5EF4-FFF2-40B4-BE49-F238E27FC236}">
+                <a16:creationId xmlns:a16="http://schemas.microsoft.com/office/drawing/2014/main" id="{3FB5D3A2-F329-A7A8-E7C2-C00588019180}"/>
+              </a:ext>
+            </a:extLst>
+          </p:cNvPr>
+          <p:cNvCxnSpPr>
+            <a:cxnSpLocks/>
+          </p:cNvCxnSpPr>
+          <p:nvPr/>
+        </p:nvCxnSpPr>
+        <p:spPr>
+          <a:xfrm rot="240000" flipH="1" flipV="1">
+            <a:off x="6975964" y="2240223"/>
+            <a:ext cx="356082" cy="350332"/>
+          </a:xfrm>
+          <a:prstGeom prst="straightConnector1">
+            <a:avLst/>
+          </a:prstGeom>
+          <a:ln w="63500">
+            <a:solidFill>
+              <a:schemeClr val="accent1">
+                <a:alpha val="61000"/>
+              </a:schemeClr>
+            </a:solidFill>
+            <a:prstDash val="solid"/>
+            <a:tailEnd type="triangle"/>
+          </a:ln>
+        </p:spPr>
+        <p:style>
+          <a:lnRef idx="1">
+            <a:schemeClr val="accent1"/>
+          </a:lnRef>
+          <a:fillRef idx="0">
+            <a:schemeClr val="accent1"/>
+          </a:fillRef>
+          <a:effectRef idx="0">
+            <a:schemeClr val="accent1"/>
+          </a:effectRef>
+          <a:fontRef idx="minor">
+            <a:schemeClr val="tx1"/>
+          </a:fontRef>
+        </p:style>
+      </p:cxnSp>
+      <p:sp>
+        <p:nvSpPr>
+          <p:cNvPr id="38" name="TextBox 37">
+            <a:extLst>
+              <a:ext uri="{FF2B5EF4-FFF2-40B4-BE49-F238E27FC236}">
+                <a16:creationId xmlns:a16="http://schemas.microsoft.com/office/drawing/2014/main" id="{634FE2AA-4386-5760-E875-D17ECC2729E4}"/>
+              </a:ext>
+            </a:extLst>
+          </p:cNvPr>
+          <p:cNvSpPr txBox="1"/>
+          <p:nvPr/>
+        </p:nvSpPr>
+        <p:spPr>
+          <a:xfrm rot="18360000">
+            <a:off x="4032599" y="2888209"/>
+            <a:ext cx="1164101" cy="369332"/>
+          </a:xfrm>
+          <a:prstGeom prst="rect">
+            <a:avLst/>
+          </a:prstGeom>
+          <a:noFill/>
+        </p:spPr>
+        <p:txBody>
+          <a:bodyPr wrap="none" rtlCol="0">
+            <a:spAutoFit/>
+          </a:bodyPr>
+          <a:lstStyle/>
+          <a:p>
+            <a:r>
+              <a:rPr lang="en-US" dirty="0"/>
+              <a:t>Hormones</a:t>
+            </a:r>
+          </a:p>
+        </p:txBody>
+      </p:sp>
+      <p:sp>
+        <p:nvSpPr>
+          <p:cNvPr id="39" name="TextBox 38">
+            <a:extLst>
+              <a:ext uri="{FF2B5EF4-FFF2-40B4-BE49-F238E27FC236}">
+                <a16:creationId xmlns:a16="http://schemas.microsoft.com/office/drawing/2014/main" id="{C3BBBB96-ECCD-3386-6975-8F89BE504EBD}"/>
+              </a:ext>
+            </a:extLst>
+          </p:cNvPr>
+          <p:cNvSpPr txBox="1"/>
+          <p:nvPr/>
+        </p:nvSpPr>
+        <p:spPr>
+          <a:xfrm rot="2894982">
+            <a:off x="6848661" y="2962961"/>
+            <a:ext cx="1923796" cy="369332"/>
+          </a:xfrm>
+          <a:prstGeom prst="rect">
+            <a:avLst/>
+          </a:prstGeom>
+          <a:noFill/>
+        </p:spPr>
+        <p:txBody>
+          <a:bodyPr wrap="none" rtlCol="0">
+            <a:spAutoFit/>
+          </a:bodyPr>
+          <a:lstStyle/>
+          <a:p>
+            <a:r>
+              <a:rPr lang="en-US" dirty="0"/>
+              <a:t>Immunoregulators</a:t>
+            </a:r>
+          </a:p>
+        </p:txBody>
+      </p:sp>
+      <p:cxnSp>
+        <p:nvCxnSpPr>
+          <p:cNvPr id="40" name="Straight Arrow Connector 39">
+            <a:extLst>
+              <a:ext uri="{FF2B5EF4-FFF2-40B4-BE49-F238E27FC236}">
+                <a16:creationId xmlns:a16="http://schemas.microsoft.com/office/drawing/2014/main" id="{B19137A8-ACE6-D2A9-2675-9785198F275A}"/>
+              </a:ext>
+            </a:extLst>
+          </p:cNvPr>
+          <p:cNvCxnSpPr>
+            <a:cxnSpLocks/>
+          </p:cNvCxnSpPr>
+          <p:nvPr/>
+        </p:nvCxnSpPr>
+        <p:spPr>
+          <a:xfrm rot="4980000" flipH="1" flipV="1">
+            <a:off x="4899178" y="2283633"/>
+            <a:ext cx="356082" cy="350332"/>
+          </a:xfrm>
+          <a:prstGeom prst="straightConnector1">
+            <a:avLst/>
+          </a:prstGeom>
+          <a:ln w="63500">
+            <a:solidFill>
+              <a:schemeClr val="accent1">
+                <a:alpha val="61000"/>
+              </a:schemeClr>
+            </a:solidFill>
+            <a:prstDash val="solid"/>
+            <a:tailEnd type="triangle"/>
+          </a:ln>
+        </p:spPr>
+        <p:style>
+          <a:lnRef idx="1">
+            <a:schemeClr val="accent1"/>
+          </a:lnRef>
+          <a:fillRef idx="0">
+            <a:schemeClr val="accent1"/>
+          </a:fillRef>
+          <a:effectRef idx="0">
+            <a:schemeClr val="accent1"/>
+          </a:effectRef>
+          <a:fontRef idx="minor">
+            <a:schemeClr val="tx1"/>
+          </a:fontRef>
+        </p:style>
+      </p:cxnSp>
+      <p:sp>
+        <p:nvSpPr>
+          <p:cNvPr id="41" name="TextBox 40">
+            <a:extLst>
+              <a:ext uri="{FF2B5EF4-FFF2-40B4-BE49-F238E27FC236}">
+                <a16:creationId xmlns:a16="http://schemas.microsoft.com/office/drawing/2014/main" id="{D5ECD804-AC38-6813-90A4-C4DB1719BCC9}"/>
+              </a:ext>
+            </a:extLst>
+          </p:cNvPr>
+          <p:cNvSpPr txBox="1"/>
+          <p:nvPr/>
+        </p:nvSpPr>
+        <p:spPr>
+          <a:xfrm>
+            <a:off x="5492601" y="4860617"/>
+            <a:ext cx="1164101" cy="369332"/>
+          </a:xfrm>
+          <a:prstGeom prst="rect">
+            <a:avLst/>
+          </a:prstGeom>
+          <a:noFill/>
+        </p:spPr>
+        <p:txBody>
+          <a:bodyPr wrap="none" rtlCol="0">
+            <a:spAutoFit/>
+          </a:bodyPr>
+          <a:lstStyle/>
+          <a:p>
+            <a:r>
+              <a:rPr lang="en-US" dirty="0"/>
+              <a:t>Hormones</a:t>
+            </a:r>
+          </a:p>
+        </p:txBody>
+      </p:sp>
+      <p:cxnSp>
+        <p:nvCxnSpPr>
+          <p:cNvPr id="42" name="Straight Arrow Connector 41">
+            <a:extLst>
+              <a:ext uri="{FF2B5EF4-FFF2-40B4-BE49-F238E27FC236}">
+                <a16:creationId xmlns:a16="http://schemas.microsoft.com/office/drawing/2014/main" id="{C67DA0EB-37E2-D5F2-4B31-A27FEC585E52}"/>
+              </a:ext>
+            </a:extLst>
+          </p:cNvPr>
+          <p:cNvCxnSpPr>
+            <a:cxnSpLocks/>
+          </p:cNvCxnSpPr>
+          <p:nvPr/>
+        </p:nvCxnSpPr>
+        <p:spPr>
+          <a:xfrm rot="8100000" flipH="1" flipV="1">
+            <a:off x="6733269" y="4890670"/>
+            <a:ext cx="356082" cy="350332"/>
+          </a:xfrm>
+          <a:prstGeom prst="straightConnector1">
+            <a:avLst/>
+          </a:prstGeom>
+          <a:ln w="63500">
+            <a:solidFill>
+              <a:schemeClr val="accent1">
+                <a:alpha val="61000"/>
+              </a:schemeClr>
+            </a:solidFill>
+            <a:prstDash val="solid"/>
+            <a:tailEnd type="triangle"/>
+          </a:ln>
+        </p:spPr>
+        <p:style>
+          <a:lnRef idx="1">
+            <a:schemeClr val="accent1"/>
+          </a:lnRef>
+          <a:fillRef idx="0">
+            <a:schemeClr val="accent1"/>
+          </a:fillRef>
+          <a:effectRef idx="0">
+            <a:schemeClr val="accent1"/>
+          </a:effectRef>
+          <a:fontRef idx="minor">
+            <a:schemeClr val="tx1"/>
+          </a:fontRef>
+        </p:style>
+      </p:cxnSp>
     </p:spTree>
     <p:extLst>
       <p:ext uri="{BB962C8B-B14F-4D97-AF65-F5344CB8AC3E}">

--- a/docs/New Labs Uruguay.pptx
+++ b/docs/New Labs Uruguay.pptx
@@ -204,7 +204,7 @@
           <a:p>
             <a:fld id="{C5287EC0-854C-45B5-B79C-0864027889D8}" type="datetimeFigureOut">
               <a:rPr lang="en-US" smtClean="0"/>
-              <a:t>9/9/2023</a:t>
+              <a:t>9/11/23</a:t>
             </a:fld>
             <a:endParaRPr lang="en-US"/>
           </a:p>
@@ -618,7 +618,7 @@
           <a:p>
             <a:fld id="{BF7B1363-CEAB-45B0-864E-ED8B1541EFB8}" type="datetimeFigureOut">
               <a:rPr lang="en-US" smtClean="0"/>
-              <a:t>9/9/2023</a:t>
+              <a:t>9/11/23</a:t>
             </a:fld>
             <a:endParaRPr lang="en-US"/>
           </a:p>
@@ -816,7 +816,7 @@
           <a:p>
             <a:fld id="{BF7B1363-CEAB-45B0-864E-ED8B1541EFB8}" type="datetimeFigureOut">
               <a:rPr lang="en-US" smtClean="0"/>
-              <a:t>9/9/2023</a:t>
+              <a:t>9/11/23</a:t>
             </a:fld>
             <a:endParaRPr lang="en-US"/>
           </a:p>
@@ -1024,7 +1024,7 @@
           <a:p>
             <a:fld id="{BF7B1363-CEAB-45B0-864E-ED8B1541EFB8}" type="datetimeFigureOut">
               <a:rPr lang="en-US" smtClean="0"/>
-              <a:t>9/9/2023</a:t>
+              <a:t>9/11/23</a:t>
             </a:fld>
             <a:endParaRPr lang="en-US"/>
           </a:p>
@@ -1222,7 +1222,7 @@
           <a:p>
             <a:fld id="{BF7B1363-CEAB-45B0-864E-ED8B1541EFB8}" type="datetimeFigureOut">
               <a:rPr lang="en-US" smtClean="0"/>
-              <a:t>9/9/2023</a:t>
+              <a:t>9/11/23</a:t>
             </a:fld>
             <a:endParaRPr lang="en-US"/>
           </a:p>
@@ -1497,7 +1497,7 @@
           <a:p>
             <a:fld id="{BF7B1363-CEAB-45B0-864E-ED8B1541EFB8}" type="datetimeFigureOut">
               <a:rPr lang="en-US" smtClean="0"/>
-              <a:t>9/9/2023</a:t>
+              <a:t>9/11/23</a:t>
             </a:fld>
             <a:endParaRPr lang="en-US"/>
           </a:p>
@@ -1762,7 +1762,7 @@
           <a:p>
             <a:fld id="{BF7B1363-CEAB-45B0-864E-ED8B1541EFB8}" type="datetimeFigureOut">
               <a:rPr lang="en-US" smtClean="0"/>
-              <a:t>9/9/2023</a:t>
+              <a:t>9/11/23</a:t>
             </a:fld>
             <a:endParaRPr lang="en-US"/>
           </a:p>
@@ -2174,7 +2174,7 @@
           <a:p>
             <a:fld id="{BF7B1363-CEAB-45B0-864E-ED8B1541EFB8}" type="datetimeFigureOut">
               <a:rPr lang="en-US" smtClean="0"/>
-              <a:t>9/9/2023</a:t>
+              <a:t>9/11/23</a:t>
             </a:fld>
             <a:endParaRPr lang="en-US"/>
           </a:p>
@@ -2315,7 +2315,7 @@
           <a:p>
             <a:fld id="{BF7B1363-CEAB-45B0-864E-ED8B1541EFB8}" type="datetimeFigureOut">
               <a:rPr lang="en-US" smtClean="0"/>
-              <a:t>9/9/2023</a:t>
+              <a:t>9/11/23</a:t>
             </a:fld>
             <a:endParaRPr lang="en-US"/>
           </a:p>
@@ -2428,7 +2428,7 @@
           <a:p>
             <a:fld id="{BF7B1363-CEAB-45B0-864E-ED8B1541EFB8}" type="datetimeFigureOut">
               <a:rPr lang="en-US" smtClean="0"/>
-              <a:t>9/9/2023</a:t>
+              <a:t>9/11/23</a:t>
             </a:fld>
             <a:endParaRPr lang="en-US"/>
           </a:p>
@@ -2739,7 +2739,7 @@
           <a:p>
             <a:fld id="{BF7B1363-CEAB-45B0-864E-ED8B1541EFB8}" type="datetimeFigureOut">
               <a:rPr lang="en-US" smtClean="0"/>
-              <a:t>9/9/2023</a:t>
+              <a:t>9/11/23</a:t>
             </a:fld>
             <a:endParaRPr lang="en-US"/>
           </a:p>
@@ -3027,7 +3027,7 @@
           <a:p>
             <a:fld id="{BF7B1363-CEAB-45B0-864E-ED8B1541EFB8}" type="datetimeFigureOut">
               <a:rPr lang="en-US" smtClean="0"/>
-              <a:t>9/9/2023</a:t>
+              <a:t>9/11/23</a:t>
             </a:fld>
             <a:endParaRPr lang="en-US"/>
           </a:p>
@@ -3268,7 +3268,7 @@
           <a:p>
             <a:fld id="{BF7B1363-CEAB-45B0-864E-ED8B1541EFB8}" type="datetimeFigureOut">
               <a:rPr lang="en-US" smtClean="0"/>
-              <a:t>9/9/2023</a:t>
+              <a:t>9/11/23</a:t>
             </a:fld>
             <a:endParaRPr lang="en-US"/>
           </a:p>
@@ -5054,7 +5054,7 @@
           <p:nvPr/>
         </p:nvCxnSpPr>
         <p:spPr>
-          <a:xfrm>
+          <a:xfrm flipH="1" flipV="1">
             <a:off x="6896100" y="4035669"/>
             <a:ext cx="1040423" cy="395654"/>
           </a:xfrm>
@@ -5529,7 +5529,7 @@
             <a:pPr algn="ctr"/>
             <a:r>
               <a:rPr lang="en-US" dirty="0"/>
-              <a:t>Immune</a:t>
+              <a:t>Gut</a:t>
             </a:r>
           </a:p>
           <a:p>
